--- a/Documents/Powerpoints/2.1 Operators and Overloading.pptx
+++ b/Documents/Powerpoints/2.1 Operators and Overloading.pptx
@@ -5,25 +5,26 @@
     <p:sldMasterId id="2147483726" r:id="rId1"/>
   </p:sldMasterIdLst>
   <p:sldIdLst>
-    <p:sldId id="256" r:id="rId2"/>
-    <p:sldId id="265" r:id="rId3"/>
-    <p:sldId id="264" r:id="rId4"/>
-    <p:sldId id="257" r:id="rId5"/>
-    <p:sldId id="258" r:id="rId6"/>
-    <p:sldId id="259" r:id="rId7"/>
-    <p:sldId id="260" r:id="rId8"/>
-    <p:sldId id="261" r:id="rId9"/>
-    <p:sldId id="262" r:id="rId10"/>
-    <p:sldId id="263" r:id="rId11"/>
-    <p:sldId id="266" r:id="rId12"/>
-    <p:sldId id="267" r:id="rId13"/>
-    <p:sldId id="268" r:id="rId14"/>
-    <p:sldId id="269" r:id="rId15"/>
-    <p:sldId id="270" r:id="rId16"/>
-    <p:sldId id="271" r:id="rId17"/>
-    <p:sldId id="273" r:id="rId18"/>
-    <p:sldId id="274" r:id="rId19"/>
-    <p:sldId id="272" r:id="rId20"/>
+    <p:sldId id="257" r:id="rId2"/>
+    <p:sldId id="256" r:id="rId3"/>
+    <p:sldId id="265" r:id="rId4"/>
+    <p:sldId id="264" r:id="rId5"/>
+    <p:sldId id="276" r:id="rId6"/>
+    <p:sldId id="258" r:id="rId7"/>
+    <p:sldId id="259" r:id="rId8"/>
+    <p:sldId id="260" r:id="rId9"/>
+    <p:sldId id="261" r:id="rId10"/>
+    <p:sldId id="262" r:id="rId11"/>
+    <p:sldId id="263" r:id="rId12"/>
+    <p:sldId id="266" r:id="rId13"/>
+    <p:sldId id="267" r:id="rId14"/>
+    <p:sldId id="268" r:id="rId15"/>
+    <p:sldId id="269" r:id="rId16"/>
+    <p:sldId id="270" r:id="rId17"/>
+    <p:sldId id="271" r:id="rId18"/>
+    <p:sldId id="273" r:id="rId19"/>
+    <p:sldId id="274" r:id="rId20"/>
+    <p:sldId id="272" r:id="rId21"/>
   </p:sldIdLst>
   <p:sldSz cx="12192000" cy="6858000"/>
   <p:notesSz cx="6858000" cy="9144000"/>
@@ -6062,7 +6063,7 @@
           <p:cNvPr id="2" name="Title 1">
             <a:extLst>
               <a:ext uri="{FF2B5EF4-FFF2-40B4-BE49-F238E27FC236}">
-                <a16:creationId xmlns:a16="http://schemas.microsoft.com/office/drawing/2014/main" id="{37224ECC-4943-4AE7-8E04-2CB3BD6A361D}"/>
+                <a16:creationId xmlns:a16="http://schemas.microsoft.com/office/drawing/2014/main" id="{3E05A589-9A88-4E08-BA92-97F657588FBA}"/>
               </a:ext>
             </a:extLst>
           </p:cNvPr>
@@ -6070,39 +6071,100 @@
             <a:spLocks noGrp="1"/>
           </p:cNvSpPr>
           <p:nvPr>
-            <p:ph type="ctrTitle"/>
-          </p:nvPr>
-        </p:nvSpPr>
-        <p:spPr>
-          <a:xfrm>
-            <a:off x="1370693" y="2683938"/>
-            <a:ext cx="9440034" cy="1828801"/>
-          </a:xfrm>
-        </p:spPr>
-        <p:txBody>
-          <a:bodyPr>
-            <a:normAutofit/>
-          </a:bodyPr>
-          <a:lstStyle/>
-          <a:p>
-            <a:r>
-              <a:rPr lang="en-US" dirty="0"/>
-              <a:t>Operators and </a:t>
-            </a:r>
-            <a:br>
-              <a:rPr lang="en-US" dirty="0"/>
-            </a:br>
-            <a:r>
-              <a:rPr lang="en-US" dirty="0"/>
-              <a:t>Operator Overloading</a:t>
-            </a:r>
+            <p:ph type="title"/>
+          </p:nvPr>
+        </p:nvSpPr>
+        <p:spPr/>
+        <p:txBody>
+          <a:bodyPr/>
+          <a:lstStyle/>
+          <a:p>
+            <a:r>
+              <a:rPr lang="en-US" dirty="0"/>
+              <a:t>Notes</a:t>
+            </a:r>
+          </a:p>
+        </p:txBody>
+      </p:sp>
+      <p:sp>
+        <p:nvSpPr>
+          <p:cNvPr id="3" name="Content Placeholder 2">
+            <a:extLst>
+              <a:ext uri="{FF2B5EF4-FFF2-40B4-BE49-F238E27FC236}">
+                <a16:creationId xmlns:a16="http://schemas.microsoft.com/office/drawing/2014/main" id="{A107D502-0978-4FE4-A346-EB8DC8CAF7D0}"/>
+              </a:ext>
+            </a:extLst>
+          </p:cNvPr>
+          <p:cNvSpPr>
+            <a:spLocks noGrp="1"/>
+          </p:cNvSpPr>
+          <p:nvPr>
+            <p:ph idx="1"/>
+          </p:nvPr>
+        </p:nvSpPr>
+        <p:spPr/>
+        <p:txBody>
+          <a:bodyPr/>
+          <a:lstStyle/>
+          <a:p>
+            <a:r>
+              <a:rPr lang="en-US"/>
+              <a:t>HW Questions?</a:t>
+            </a:r>
+          </a:p>
+          <a:p>
+            <a:r>
+              <a:rPr lang="en-US" dirty="0"/>
+              <a:t>HW Turn in example</a:t>
+            </a:r>
+          </a:p>
+          <a:p>
+            <a:pPr lvl="1"/>
+            <a:r>
+              <a:rPr lang="en-US" dirty="0"/>
+              <a:t>File organization</a:t>
+            </a:r>
+          </a:p>
+          <a:p>
+            <a:pPr lvl="1"/>
+            <a:r>
+              <a:rPr lang="en-US" dirty="0"/>
+              <a:t>.</a:t>
+            </a:r>
+            <a:r>
+              <a:rPr lang="en-US" dirty="0" err="1"/>
+              <a:t>gitignore</a:t>
+            </a:r>
+            <a:endParaRPr lang="en-US" dirty="0"/>
+          </a:p>
+          <a:p>
+            <a:pPr lvl="1"/>
+            <a:r>
+              <a:rPr lang="en-US" dirty="0"/>
+              <a:t>Canvas submission</a:t>
+            </a:r>
+          </a:p>
+          <a:p>
+            <a:r>
+              <a:rPr lang="en-US" dirty="0"/>
+              <a:t>Midterm date change (Syllabus on Canvas updated)</a:t>
+            </a:r>
+          </a:p>
+          <a:p>
+            <a:endParaRPr lang="en-US" dirty="0"/>
+          </a:p>
+          <a:p>
+            <a:pPr marL="36900" indent="0">
+              <a:buNone/>
+            </a:pPr>
+            <a:endParaRPr lang="en-US" dirty="0"/>
           </a:p>
         </p:txBody>
       </p:sp>
     </p:spTree>
     <p:extLst>
       <p:ext uri="{BB962C8B-B14F-4D97-AF65-F5344CB8AC3E}">
-        <p14:creationId xmlns:p14="http://schemas.microsoft.com/office/powerpoint/2010/main" val="597521800"/>
+        <p14:creationId xmlns:p14="http://schemas.microsoft.com/office/powerpoint/2010/main" val="724827693"/>
       </p:ext>
     </p:extLst>
   </p:cSld>
@@ -6152,6 +6214,145 @@
           <a:p>
             <a:r>
               <a:rPr lang="en-US" dirty="0"/>
+              <a:t>So Many More Operators</a:t>
+            </a:r>
+          </a:p>
+        </p:txBody>
+      </p:sp>
+      <p:sp>
+        <p:nvSpPr>
+          <p:cNvPr id="3" name="Content Placeholder 2">
+            <a:extLst>
+              <a:ext uri="{FF2B5EF4-FFF2-40B4-BE49-F238E27FC236}">
+                <a16:creationId xmlns:a16="http://schemas.microsoft.com/office/drawing/2014/main" id="{0BE6B58D-CA0E-4EBB-987E-EDE649FB3571}"/>
+              </a:ext>
+            </a:extLst>
+          </p:cNvPr>
+          <p:cNvSpPr>
+            <a:spLocks noGrp="1"/>
+          </p:cNvSpPr>
+          <p:nvPr>
+            <p:ph idx="1"/>
+          </p:nvPr>
+        </p:nvSpPr>
+        <p:spPr/>
+        <p:txBody>
+          <a:bodyPr/>
+          <a:lstStyle/>
+          <a:p>
+            <a:r>
+              <a:rPr lang="en-US" dirty="0"/>
+              <a:t>Math</a:t>
+            </a:r>
+          </a:p>
+          <a:p>
+            <a:pPr lvl="1"/>
+            <a:r>
+              <a:rPr lang="en-US" dirty="0"/>
+              <a:t>*, /, +, -, %</a:t>
+            </a:r>
+          </a:p>
+          <a:p>
+            <a:pPr lvl="1"/>
+            <a:r>
+              <a:rPr lang="en-US" dirty="0"/>
+              <a:t>*=, /=, +=, -=, %=</a:t>
+            </a:r>
+          </a:p>
+          <a:p>
+            <a:r>
+              <a:rPr lang="en-US" dirty="0"/>
+              <a:t>Binary</a:t>
+            </a:r>
+          </a:p>
+          <a:p>
+            <a:pPr lvl="1"/>
+            <a:r>
+              <a:rPr lang="en-US" dirty="0"/>
+              <a:t>&amp;=, |=, ^=, &lt;&lt;=, &gt;&gt;=</a:t>
+            </a:r>
+          </a:p>
+          <a:p>
+            <a:r>
+              <a:rPr lang="en-US" dirty="0"/>
+              <a:t>Comparison</a:t>
+            </a:r>
+          </a:p>
+          <a:p>
+            <a:pPr lvl="1"/>
+            <a:r>
+              <a:rPr lang="en-US" dirty="0"/>
+              <a:t>&lt;, &gt;, ==, &lt;=, &gt;=, !=</a:t>
+            </a:r>
+          </a:p>
+          <a:p>
+            <a:r>
+              <a:rPr lang="en-US" dirty="0"/>
+              <a:t>Conditional</a:t>
+            </a:r>
+          </a:p>
+          <a:p>
+            <a:pPr lvl="1"/>
+            <a:r>
+              <a:rPr lang="en-US" dirty="0"/>
+              <a:t>&amp;&amp;, ||</a:t>
+            </a:r>
+          </a:p>
+        </p:txBody>
+      </p:sp>
+    </p:spTree>
+    <p:extLst>
+      <p:ext uri="{BB962C8B-B14F-4D97-AF65-F5344CB8AC3E}">
+        <p14:creationId xmlns:p14="http://schemas.microsoft.com/office/powerpoint/2010/main" val="2769689675"/>
+      </p:ext>
+    </p:extLst>
+  </p:cSld>
+  <p:clrMapOvr>
+    <a:masterClrMapping/>
+  </p:clrMapOvr>
+</p:sld>
+</file>
+
+<file path=ppt/slides/slide11.xml><?xml version="1.0" encoding="utf-8"?>
+<p:sld xmlns:a="http://schemas.openxmlformats.org/drawingml/2006/main" xmlns:r="http://schemas.openxmlformats.org/officeDocument/2006/relationships" xmlns:p="http://schemas.openxmlformats.org/presentationml/2006/main">
+  <p:cSld>
+    <p:spTree>
+      <p:nvGrpSpPr>
+        <p:cNvPr id="1" name=""/>
+        <p:cNvGrpSpPr/>
+        <p:nvPr/>
+      </p:nvGrpSpPr>
+      <p:grpSpPr>
+        <a:xfrm>
+          <a:off x="0" y="0"/>
+          <a:ext cx="0" cy="0"/>
+          <a:chOff x="0" y="0"/>
+          <a:chExt cx="0" cy="0"/>
+        </a:xfrm>
+      </p:grpSpPr>
+      <p:sp>
+        <p:nvSpPr>
+          <p:cNvPr id="2" name="Title 1">
+            <a:extLst>
+              <a:ext uri="{FF2B5EF4-FFF2-40B4-BE49-F238E27FC236}">
+                <a16:creationId xmlns:a16="http://schemas.microsoft.com/office/drawing/2014/main" id="{328779BB-D2A9-4FBC-9C5F-4B8DB0446EED}"/>
+              </a:ext>
+            </a:extLst>
+          </p:cNvPr>
+          <p:cNvSpPr>
+            <a:spLocks noGrp="1"/>
+          </p:cNvSpPr>
+          <p:nvPr>
+            <p:ph type="title"/>
+          </p:nvPr>
+        </p:nvSpPr>
+        <p:spPr/>
+        <p:txBody>
+          <a:bodyPr/>
+          <a:lstStyle/>
+          <a:p>
+            <a:r>
+              <a:rPr lang="en-US" dirty="0"/>
               <a:t>Overloading Operators</a:t>
             </a:r>
           </a:p>
@@ -6232,7 +6433,7 @@
 </p:sld>
 </file>
 
-<file path=ppt/slides/slide11.xml><?xml version="1.0" encoding="utf-8"?>
+<file path=ppt/slides/slide12.xml><?xml version="1.0" encoding="utf-8"?>
 <p:sld xmlns:a="http://schemas.openxmlformats.org/drawingml/2006/main" xmlns:r="http://schemas.openxmlformats.org/officeDocument/2006/relationships" xmlns:p="http://schemas.openxmlformats.org/presentationml/2006/main">
   <p:cSld>
     <p:spTree>
@@ -6398,7 +6599,7 @@
 </p:sld>
 </file>
 
-<file path=ppt/slides/slide12.xml><?xml version="1.0" encoding="utf-8"?>
+<file path=ppt/slides/slide13.xml><?xml version="1.0" encoding="utf-8"?>
 <p:sld xmlns:a="http://schemas.openxmlformats.org/drawingml/2006/main" xmlns:r="http://schemas.openxmlformats.org/officeDocument/2006/relationships" xmlns:p="http://schemas.openxmlformats.org/presentationml/2006/main">
   <p:cSld>
     <p:spTree>
@@ -6541,7 +6742,7 @@
 </p:sld>
 </file>
 
-<file path=ppt/slides/slide13.xml><?xml version="1.0" encoding="utf-8"?>
+<file path=ppt/slides/slide14.xml><?xml version="1.0" encoding="utf-8"?>
 <p:sld xmlns:a="http://schemas.openxmlformats.org/drawingml/2006/main" xmlns:r="http://schemas.openxmlformats.org/officeDocument/2006/relationships" xmlns:p="http://schemas.openxmlformats.org/presentationml/2006/main">
   <p:cSld>
     <p:spTree>
@@ -6695,7 +6896,7 @@
 </p:sld>
 </file>
 
-<file path=ppt/slides/slide14.xml><?xml version="1.0" encoding="utf-8"?>
+<file path=ppt/slides/slide15.xml><?xml version="1.0" encoding="utf-8"?>
 <p:sld xmlns:a="http://schemas.openxmlformats.org/drawingml/2006/main" xmlns:r="http://schemas.openxmlformats.org/officeDocument/2006/relationships" xmlns:p="http://schemas.openxmlformats.org/presentationml/2006/main">
   <p:cSld>
     <p:spTree>
@@ -7188,7 +7389,7 @@
 </p:sld>
 </file>
 
-<file path=ppt/slides/slide15.xml><?xml version="1.0" encoding="utf-8"?>
+<file path=ppt/slides/slide16.xml><?xml version="1.0" encoding="utf-8"?>
 <p:sld xmlns:a="http://schemas.openxmlformats.org/drawingml/2006/main" xmlns:r="http://schemas.openxmlformats.org/officeDocument/2006/relationships" xmlns:p="http://schemas.openxmlformats.org/presentationml/2006/main">
   <p:cSld>
     <p:spTree>
@@ -7315,7 +7516,7 @@
 </p:sld>
 </file>
 
-<file path=ppt/slides/slide16.xml><?xml version="1.0" encoding="utf-8"?>
+<file path=ppt/slides/slide17.xml><?xml version="1.0" encoding="utf-8"?>
 <p:sld xmlns:a="http://schemas.openxmlformats.org/drawingml/2006/main" xmlns:r="http://schemas.openxmlformats.org/officeDocument/2006/relationships" xmlns:p="http://schemas.openxmlformats.org/presentationml/2006/main">
   <p:cSld>
     <p:spTree>
@@ -7487,7 +7688,7 @@
 </p:sld>
 </file>
 
-<file path=ppt/slides/slide17.xml><?xml version="1.0" encoding="utf-8"?>
+<file path=ppt/slides/slide18.xml><?xml version="1.0" encoding="utf-8"?>
 <p:sld xmlns:a="http://schemas.openxmlformats.org/drawingml/2006/main" xmlns:r="http://schemas.openxmlformats.org/officeDocument/2006/relationships" xmlns:p="http://schemas.openxmlformats.org/presentationml/2006/main">
   <p:cSld>
     <p:spTree>
@@ -7672,7 +7873,7 @@
 </p:sld>
 </file>
 
-<file path=ppt/slides/slide18.xml><?xml version="1.0" encoding="utf-8"?>
+<file path=ppt/slides/slide19.xml><?xml version="1.0" encoding="utf-8"?>
 <p:sld xmlns:a="http://schemas.openxmlformats.org/drawingml/2006/main" xmlns:r="http://schemas.openxmlformats.org/officeDocument/2006/relationships" xmlns:p="http://schemas.openxmlformats.org/presentationml/2006/main">
   <p:cSld>
     <p:spTree>
@@ -7820,7 +8021,7 @@
 </p:sld>
 </file>
 
-<file path=ppt/slides/slide19.xml><?xml version="1.0" encoding="utf-8"?>
+<file path=ppt/slides/slide2.xml><?xml version="1.0" encoding="utf-8"?>
 <p:sld xmlns:a="http://schemas.openxmlformats.org/drawingml/2006/main" xmlns:r="http://schemas.openxmlformats.org/officeDocument/2006/relationships" xmlns:p="http://schemas.openxmlformats.org/presentationml/2006/main">
   <p:cSld>
     <p:spTree>
@@ -7842,6 +8043,78 @@
           <p:cNvPr id="2" name="Title 1">
             <a:extLst>
               <a:ext uri="{FF2B5EF4-FFF2-40B4-BE49-F238E27FC236}">
+                <a16:creationId xmlns:a16="http://schemas.microsoft.com/office/drawing/2014/main" id="{37224ECC-4943-4AE7-8E04-2CB3BD6A361D}"/>
+              </a:ext>
+            </a:extLst>
+          </p:cNvPr>
+          <p:cNvSpPr>
+            <a:spLocks noGrp="1"/>
+          </p:cNvSpPr>
+          <p:nvPr>
+            <p:ph type="ctrTitle"/>
+          </p:nvPr>
+        </p:nvSpPr>
+        <p:spPr>
+          <a:xfrm>
+            <a:off x="1370693" y="2683938"/>
+            <a:ext cx="9440034" cy="1828801"/>
+          </a:xfrm>
+        </p:spPr>
+        <p:txBody>
+          <a:bodyPr>
+            <a:normAutofit/>
+          </a:bodyPr>
+          <a:lstStyle/>
+          <a:p>
+            <a:r>
+              <a:rPr lang="en-US" dirty="0"/>
+              <a:t>Operators and </a:t>
+            </a:r>
+            <a:br>
+              <a:rPr lang="en-US" dirty="0"/>
+            </a:br>
+            <a:r>
+              <a:rPr lang="en-US" dirty="0"/>
+              <a:t>Operator Overloading</a:t>
+            </a:r>
+          </a:p>
+        </p:txBody>
+      </p:sp>
+    </p:spTree>
+    <p:extLst>
+      <p:ext uri="{BB962C8B-B14F-4D97-AF65-F5344CB8AC3E}">
+        <p14:creationId xmlns:p14="http://schemas.microsoft.com/office/powerpoint/2010/main" val="597521800"/>
+      </p:ext>
+    </p:extLst>
+  </p:cSld>
+  <p:clrMapOvr>
+    <a:masterClrMapping/>
+  </p:clrMapOvr>
+</p:sld>
+</file>
+
+<file path=ppt/slides/slide20.xml><?xml version="1.0" encoding="utf-8"?>
+<p:sld xmlns:a="http://schemas.openxmlformats.org/drawingml/2006/main" xmlns:r="http://schemas.openxmlformats.org/officeDocument/2006/relationships" xmlns:p="http://schemas.openxmlformats.org/presentationml/2006/main">
+  <p:cSld>
+    <p:spTree>
+      <p:nvGrpSpPr>
+        <p:cNvPr id="1" name=""/>
+        <p:cNvGrpSpPr/>
+        <p:nvPr/>
+      </p:nvGrpSpPr>
+      <p:grpSpPr>
+        <a:xfrm>
+          <a:off x="0" y="0"/>
+          <a:ext cx="0" cy="0"/>
+          <a:chOff x="0" y="0"/>
+          <a:chExt cx="0" cy="0"/>
+        </a:xfrm>
+      </p:grpSpPr>
+      <p:sp>
+        <p:nvSpPr>
+          <p:cNvPr id="2" name="Title 1">
+            <a:extLst>
+              <a:ext uri="{FF2B5EF4-FFF2-40B4-BE49-F238E27FC236}">
                 <a16:creationId xmlns:a16="http://schemas.microsoft.com/office/drawing/2014/main" id="{D357B80B-881A-4055-9B77-847631005CFC}"/>
               </a:ext>
             </a:extLst>
@@ -7944,7 +8217,7 @@
 </p:sld>
 </file>
 
-<file path=ppt/slides/slide2.xml><?xml version="1.0" encoding="utf-8"?>
+<file path=ppt/slides/slide3.xml><?xml version="1.0" encoding="utf-8"?>
 <p:sld xmlns:a="http://schemas.openxmlformats.org/drawingml/2006/main" xmlns:r="http://schemas.openxmlformats.org/officeDocument/2006/relationships" xmlns:p="http://schemas.openxmlformats.org/presentationml/2006/main">
   <p:cSld>
     <p:spTree>
@@ -8021,7 +8294,7 @@
 </p:sld>
 </file>
 
-<file path=ppt/slides/slide3.xml><?xml version="1.0" encoding="utf-8"?>
+<file path=ppt/slides/slide4.xml><?xml version="1.0" encoding="utf-8"?>
 <p:sld xmlns:a="http://schemas.openxmlformats.org/drawingml/2006/main" xmlns:r="http://schemas.openxmlformats.org/officeDocument/2006/relationships" xmlns:p="http://schemas.openxmlformats.org/presentationml/2006/main">
   <p:cSld>
     <p:spTree>
@@ -8098,124 +8371,6 @@
 </p:sld>
 </file>
 
-<file path=ppt/slides/slide4.xml><?xml version="1.0" encoding="utf-8"?>
-<p:sld xmlns:a="http://schemas.openxmlformats.org/drawingml/2006/main" xmlns:r="http://schemas.openxmlformats.org/officeDocument/2006/relationships" xmlns:p="http://schemas.openxmlformats.org/presentationml/2006/main">
-  <p:cSld>
-    <p:spTree>
-      <p:nvGrpSpPr>
-        <p:cNvPr id="1" name=""/>
-        <p:cNvGrpSpPr/>
-        <p:nvPr/>
-      </p:nvGrpSpPr>
-      <p:grpSpPr>
-        <a:xfrm>
-          <a:off x="0" y="0"/>
-          <a:ext cx="0" cy="0"/>
-          <a:chOff x="0" y="0"/>
-          <a:chExt cx="0" cy="0"/>
-        </a:xfrm>
-      </p:grpSpPr>
-      <p:sp>
-        <p:nvSpPr>
-          <p:cNvPr id="2" name="Title 1">
-            <a:extLst>
-              <a:ext uri="{FF2B5EF4-FFF2-40B4-BE49-F238E27FC236}">
-                <a16:creationId xmlns:a16="http://schemas.microsoft.com/office/drawing/2014/main" id="{3E05A589-9A88-4E08-BA92-97F657588FBA}"/>
-              </a:ext>
-            </a:extLst>
-          </p:cNvPr>
-          <p:cNvSpPr>
-            <a:spLocks noGrp="1"/>
-          </p:cNvSpPr>
-          <p:nvPr>
-            <p:ph type="title"/>
-          </p:nvPr>
-        </p:nvSpPr>
-        <p:spPr/>
-        <p:txBody>
-          <a:bodyPr/>
-          <a:lstStyle/>
-          <a:p>
-            <a:r>
-              <a:rPr lang="en-US" dirty="0"/>
-              <a:t>Operators</a:t>
-            </a:r>
-          </a:p>
-        </p:txBody>
-      </p:sp>
-      <p:sp>
-        <p:nvSpPr>
-          <p:cNvPr id="3" name="Content Placeholder 2">
-            <a:extLst>
-              <a:ext uri="{FF2B5EF4-FFF2-40B4-BE49-F238E27FC236}">
-                <a16:creationId xmlns:a16="http://schemas.microsoft.com/office/drawing/2014/main" id="{A107D502-0978-4FE4-A346-EB8DC8CAF7D0}"/>
-              </a:ext>
-            </a:extLst>
-          </p:cNvPr>
-          <p:cNvSpPr>
-            <a:spLocks noGrp="1"/>
-          </p:cNvSpPr>
-          <p:nvPr>
-            <p:ph idx="1"/>
-          </p:nvPr>
-        </p:nvSpPr>
-        <p:spPr/>
-        <p:txBody>
-          <a:bodyPr/>
-          <a:lstStyle/>
-          <a:p>
-            <a:r>
-              <a:rPr lang="en-US" dirty="0"/>
-              <a:t>Programming languages have many operators.</a:t>
-            </a:r>
-          </a:p>
-          <a:p>
-            <a:pPr lvl="1"/>
-            <a:r>
-              <a:rPr lang="en-US" dirty="0">
-                <a:hlinkClick r:id="rId2"/>
-              </a:rPr>
-              <a:t>https://docs.microsoft.com/en-us/dotnet/csharp/language-reference/operators/index</a:t>
-            </a:r>
-            <a:endParaRPr lang="en-US" dirty="0"/>
-          </a:p>
-          <a:p>
-            <a:r>
-              <a:rPr lang="en-US" dirty="0"/>
-              <a:t>However only some are overloadable (you tell the compiler how to handle them).</a:t>
-            </a:r>
-          </a:p>
-          <a:p>
-            <a:pPr lvl="1"/>
-            <a:r>
-              <a:rPr lang="en-US" dirty="0">
-                <a:hlinkClick r:id="rId3"/>
-              </a:rPr>
-              <a:t>https://docs.microsoft.com/en-us/dotnet/csharp/programming-guide/statements-expressions-operators/overloadable-operators</a:t>
-            </a:r>
-            <a:endParaRPr lang="en-US" dirty="0"/>
-          </a:p>
-          <a:p>
-            <a:pPr marL="36900" indent="0">
-              <a:buNone/>
-            </a:pPr>
-            <a:endParaRPr lang="en-US" dirty="0"/>
-          </a:p>
-        </p:txBody>
-      </p:sp>
-    </p:spTree>
-    <p:extLst>
-      <p:ext uri="{BB962C8B-B14F-4D97-AF65-F5344CB8AC3E}">
-        <p14:creationId xmlns:p14="http://schemas.microsoft.com/office/powerpoint/2010/main" val="724827693"/>
-      </p:ext>
-    </p:extLst>
-  </p:cSld>
-  <p:clrMapOvr>
-    <a:masterClrMapping/>
-  </p:clrMapOvr>
-</p:sld>
-</file>
-
 <file path=ppt/slides/slide5.xml><?xml version="1.0" encoding="utf-8"?>
 <p:sld xmlns:a="http://schemas.openxmlformats.org/drawingml/2006/main" xmlns:r="http://schemas.openxmlformats.org/officeDocument/2006/relationships" xmlns:p="http://schemas.openxmlformats.org/presentationml/2006/main">
   <p:cSld>
@@ -8238,7 +8393,7 @@
           <p:cNvPr id="2" name="Title 1">
             <a:extLst>
               <a:ext uri="{FF2B5EF4-FFF2-40B4-BE49-F238E27FC236}">
-                <a16:creationId xmlns:a16="http://schemas.microsoft.com/office/drawing/2014/main" id="{B5EB69FF-BD85-49BE-9640-B2839F795126}"/>
+                <a16:creationId xmlns:a16="http://schemas.microsoft.com/office/drawing/2014/main" id="{3E05A589-9A88-4E08-BA92-97F657588FBA}"/>
               </a:ext>
             </a:extLst>
           </p:cNvPr>
@@ -8256,7 +8411,7 @@
           <a:p>
             <a:r>
               <a:rPr lang="en-US" dirty="0"/>
-              <a:t>Primary Operators</a:t>
+              <a:t>Operators</a:t>
             </a:r>
           </a:p>
         </p:txBody>
@@ -8266,7 +8421,7 @@
           <p:cNvPr id="3" name="Content Placeholder 2">
             <a:extLst>
               <a:ext uri="{FF2B5EF4-FFF2-40B4-BE49-F238E27FC236}">
-                <a16:creationId xmlns:a16="http://schemas.microsoft.com/office/drawing/2014/main" id="{FEC5E00F-FA1C-4FBD-9A0F-E03AE63709D6}"/>
+                <a16:creationId xmlns:a16="http://schemas.microsoft.com/office/drawing/2014/main" id="{A107D502-0978-4FE4-A346-EB8DC8CAF7D0}"/>
               </a:ext>
             </a:extLst>
           </p:cNvPr>
@@ -8279,74 +8434,44 @@
         </p:nvSpPr>
         <p:spPr/>
         <p:txBody>
-          <a:bodyPr>
-            <a:normAutofit lnSpcReduction="10000"/>
-          </a:bodyPr>
-          <a:lstStyle/>
-          <a:p>
-            <a:r>
-              <a:rPr lang="en-US" dirty="0"/>
-              <a:t>Null conditional operators (prevents null reference exceptions).</a:t>
+          <a:bodyPr/>
+          <a:lstStyle/>
+          <a:p>
+            <a:r>
+              <a:rPr lang="en-US" dirty="0"/>
+              <a:t>Programming languages have many operators.</a:t>
             </a:r>
           </a:p>
           <a:p>
             <a:pPr lvl="1"/>
             <a:r>
-              <a:rPr lang="en-US" dirty="0"/>
-              <a:t>X?.Y  -  Returns null if X is null</a:t>
+              <a:rPr lang="en-US" dirty="0">
+                <a:hlinkClick r:id="rId2"/>
+              </a:rPr>
+              <a:t>https://docs.microsoft.com/en-us/dotnet/csharp/language-reference/operators/index</a:t>
+            </a:r>
+            <a:endParaRPr lang="en-US" dirty="0"/>
+          </a:p>
+          <a:p>
+            <a:r>
+              <a:rPr lang="en-US" dirty="0"/>
+              <a:t>However only some are overloadable (you tell the compiler how to handle them).</a:t>
             </a:r>
           </a:p>
           <a:p>
             <a:pPr lvl="1"/>
             <a:r>
-              <a:rPr lang="en-US" dirty="0"/>
-              <a:t>X?[n]  -  Returns null if X is null</a:t>
-            </a:r>
-          </a:p>
-          <a:p>
+              <a:rPr lang="en-US" dirty="0">
+                <a:hlinkClick r:id="rId3"/>
+              </a:rPr>
+              <a:t>https://docs.microsoft.com/en-us/dotnet/csharp/programming-guide/statements-expressions-operators/overloadable-operators</a:t>
+            </a:r>
             <a:endParaRPr lang="en-US" dirty="0"/>
           </a:p>
           <a:p>
-            <a:r>
-              <a:rPr lang="en-US" dirty="0"/>
-              <a:t>Postfix operators – Returns X and then applies the operation</a:t>
-            </a:r>
-          </a:p>
-          <a:p>
-            <a:pPr lvl="1"/>
-            <a:r>
-              <a:rPr lang="en-US" dirty="0"/>
-              <a:t>X++</a:t>
-            </a:r>
-          </a:p>
-          <a:p>
-            <a:pPr lvl="1"/>
-            <a:r>
-              <a:rPr lang="en-US" dirty="0"/>
-              <a:t>X-- </a:t>
-            </a:r>
-          </a:p>
-          <a:p>
-            <a:r>
-              <a:rPr lang="en-US" dirty="0"/>
-              <a:t>Prefix operators – Applies the operation on X prior to return</a:t>
-            </a:r>
-          </a:p>
-          <a:p>
-            <a:pPr lvl="1"/>
-            <a:r>
-              <a:rPr lang="en-US" dirty="0"/>
-              <a:t>--X</a:t>
-            </a:r>
-          </a:p>
-          <a:p>
-            <a:pPr lvl="1"/>
-            <a:r>
-              <a:rPr lang="en-US" dirty="0"/>
-              <a:t>++X</a:t>
-            </a:r>
-          </a:p>
-          <a:p>
+            <a:pPr marL="36900" indent="0">
+              <a:buNone/>
+            </a:pPr>
             <a:endParaRPr lang="en-US" dirty="0"/>
           </a:p>
         </p:txBody>
@@ -8354,7 +8479,7 @@
     </p:spTree>
     <p:extLst>
       <p:ext uri="{BB962C8B-B14F-4D97-AF65-F5344CB8AC3E}">
-        <p14:creationId xmlns:p14="http://schemas.microsoft.com/office/powerpoint/2010/main" val="3199668229"/>
+        <p14:creationId xmlns:p14="http://schemas.microsoft.com/office/powerpoint/2010/main" val="2462813893"/>
       </p:ext>
     </p:extLst>
   </p:cSld>
@@ -8404,7 +8529,7 @@
           <a:p>
             <a:r>
               <a:rPr lang="en-US" dirty="0"/>
-              <a:t>Binary Operators</a:t>
+              <a:t>Primary Operators</a:t>
             </a:r>
           </a:p>
         </p:txBody>
@@ -8428,49 +8553,81 @@
         <p:spPr/>
         <p:txBody>
           <a:bodyPr>
-            <a:normAutofit/>
+            <a:normAutofit lnSpcReduction="10000"/>
           </a:bodyPr>
           <a:lstStyle/>
           <a:p>
             <a:r>
               <a:rPr lang="en-US" dirty="0"/>
-              <a:t>Shift operators</a:t>
+              <a:t>Null conditional operators (prevents null reference exceptions).</a:t>
             </a:r>
           </a:p>
           <a:p>
             <a:pPr lvl="1"/>
             <a:r>
               <a:rPr lang="en-US" dirty="0"/>
-              <a:t>X &lt;&lt; Y – Shift bits left y times and fill with 0’s</a:t>
-            </a:r>
-          </a:p>
-          <a:p>
-            <a:pPr lvl="2"/>
-            <a:r>
-              <a:rPr lang="en-US" dirty="0"/>
-              <a:t>100101 &lt;&lt; 2 = 10010100</a:t>
+              <a:t>X?.Y  -  Returns null if X is null</a:t>
             </a:r>
           </a:p>
           <a:p>
             <a:pPr lvl="1"/>
             <a:r>
               <a:rPr lang="en-US" dirty="0"/>
-              <a:t>X &gt;&gt; Y – Shift bits right y times and fill with 0’s</a:t>
-            </a:r>
-          </a:p>
-          <a:p>
-            <a:pPr lvl="2"/>
-            <a:r>
-              <a:rPr lang="en-US" dirty="0"/>
-              <a:t>100101 &gt;&gt; 2 = 1001</a:t>
-            </a:r>
+              <a:t>X?[n]  -  Returns null if X is null</a:t>
+            </a:r>
+          </a:p>
+          <a:p>
+            <a:endParaRPr lang="en-US" dirty="0"/>
+          </a:p>
+          <a:p>
+            <a:r>
+              <a:rPr lang="en-US" dirty="0"/>
+              <a:t>Postfix operators – Returns X and then applies the operation</a:t>
+            </a:r>
+          </a:p>
+          <a:p>
+            <a:pPr lvl="1"/>
+            <a:r>
+              <a:rPr lang="en-US" dirty="0"/>
+              <a:t>X++</a:t>
+            </a:r>
+          </a:p>
+          <a:p>
+            <a:pPr lvl="1"/>
+            <a:r>
+              <a:rPr lang="en-US" dirty="0"/>
+              <a:t>X-- </a:t>
+            </a:r>
+          </a:p>
+          <a:p>
+            <a:r>
+              <a:rPr lang="en-US" dirty="0"/>
+              <a:t>Prefix operators – Applies the operation on X prior to return</a:t>
+            </a:r>
+          </a:p>
+          <a:p>
+            <a:pPr lvl="1"/>
+            <a:r>
+              <a:rPr lang="en-US" dirty="0"/>
+              <a:t>--X</a:t>
+            </a:r>
+          </a:p>
+          <a:p>
+            <a:pPr lvl="1"/>
+            <a:r>
+              <a:rPr lang="en-US" dirty="0"/>
+              <a:t>++X</a:t>
+            </a:r>
+          </a:p>
+          <a:p>
+            <a:endParaRPr lang="en-US" dirty="0"/>
           </a:p>
         </p:txBody>
       </p:sp>
     </p:spTree>
     <p:extLst>
       <p:ext uri="{BB962C8B-B14F-4D97-AF65-F5344CB8AC3E}">
-        <p14:creationId xmlns:p14="http://schemas.microsoft.com/office/powerpoint/2010/main" val="2451443134"/>
+        <p14:creationId xmlns:p14="http://schemas.microsoft.com/office/powerpoint/2010/main" val="3199668229"/>
       </p:ext>
     </p:extLst>
   </p:cSld>
@@ -8502,7 +8659,7 @@
           <p:cNvPr id="2" name="Title 1">
             <a:extLst>
               <a:ext uri="{FF2B5EF4-FFF2-40B4-BE49-F238E27FC236}">
-                <a16:creationId xmlns:a16="http://schemas.microsoft.com/office/drawing/2014/main" id="{302ACD4F-F2F7-4334-801A-DC0181383ED8}"/>
+                <a16:creationId xmlns:a16="http://schemas.microsoft.com/office/drawing/2014/main" id="{B5EB69FF-BD85-49BE-9640-B2839F795126}"/>
               </a:ext>
             </a:extLst>
           </p:cNvPr>
@@ -8520,17 +8677,17 @@
           <a:p>
             <a:r>
               <a:rPr lang="en-US" dirty="0"/>
-              <a:t>Logical &amp; Bitwise Operators</a:t>
-            </a:r>
-          </a:p>
-        </p:txBody>
-      </p:sp>
-      <p:sp>
-        <p:nvSpPr>
-          <p:cNvPr id="4" name="Text Placeholder 3">
+              <a:t>Binary Operators</a:t>
+            </a:r>
+          </a:p>
+        </p:txBody>
+      </p:sp>
+      <p:sp>
+        <p:nvSpPr>
+          <p:cNvPr id="3" name="Content Placeholder 2">
             <a:extLst>
               <a:ext uri="{FF2B5EF4-FFF2-40B4-BE49-F238E27FC236}">
-                <a16:creationId xmlns:a16="http://schemas.microsoft.com/office/drawing/2014/main" id="{470919E0-98E0-48D4-A7DE-789FC48CA639}"/>
+                <a16:creationId xmlns:a16="http://schemas.microsoft.com/office/drawing/2014/main" id="{FEC5E00F-FA1C-4FBD-9A0F-E03AE63709D6}"/>
               </a:ext>
             </a:extLst>
           </p:cNvPr>
@@ -8538,219 +8695,55 @@
             <a:spLocks noGrp="1"/>
           </p:cNvSpPr>
           <p:nvPr>
-            <p:ph type="body" idx="1"/>
+            <p:ph idx="1"/>
           </p:nvPr>
         </p:nvSpPr>
         <p:spPr/>
         <p:txBody>
-          <a:bodyPr/>
-          <a:lstStyle/>
-          <a:p>
-            <a:r>
-              <a:rPr lang="en-US" dirty="0"/>
-              <a:t>Logical</a:t>
-            </a:r>
-          </a:p>
-        </p:txBody>
-      </p:sp>
-      <p:sp>
-        <p:nvSpPr>
-          <p:cNvPr id="5" name="Content Placeholder 4">
-            <a:extLst>
-              <a:ext uri="{FF2B5EF4-FFF2-40B4-BE49-F238E27FC236}">
-                <a16:creationId xmlns:a16="http://schemas.microsoft.com/office/drawing/2014/main" id="{9F6C8711-A28C-4737-B438-DB380EDAF241}"/>
-              </a:ext>
-            </a:extLst>
-          </p:cNvPr>
-          <p:cNvSpPr>
-            <a:spLocks noGrp="1"/>
-          </p:cNvSpPr>
-          <p:nvPr>
-            <p:ph sz="half" idx="2"/>
-          </p:nvPr>
-        </p:nvSpPr>
-        <p:spPr/>
-        <p:txBody>
           <a:bodyPr>
-            <a:normAutofit fontScale="85000" lnSpcReduction="20000"/>
+            <a:normAutofit/>
           </a:bodyPr>
           <a:lstStyle/>
           <a:p>
             <a:r>
               <a:rPr lang="en-US" dirty="0"/>
-              <a:t>AND – X &amp; Y</a:t>
+              <a:t>Shift operators</a:t>
             </a:r>
           </a:p>
           <a:p>
             <a:pPr lvl="1"/>
             <a:r>
               <a:rPr lang="en-US" dirty="0"/>
-              <a:t>True &amp; False = False</a:t>
-            </a:r>
-          </a:p>
-          <a:p>
-            <a:r>
-              <a:rPr lang="en-US" dirty="0"/>
-              <a:t>OR – X | Y</a:t>
+              <a:t>X &lt;&lt; Y – Shift bits left y times and fill with 0’s</a:t>
+            </a:r>
+          </a:p>
+          <a:p>
+            <a:pPr lvl="2"/>
+            <a:r>
+              <a:rPr lang="en-US" dirty="0"/>
+              <a:t>100101 &lt;&lt; 2 = 10010100</a:t>
             </a:r>
           </a:p>
           <a:p>
             <a:pPr lvl="1"/>
             <a:r>
               <a:rPr lang="en-US" dirty="0"/>
-              <a:t>True | False = True</a:t>
-            </a:r>
-          </a:p>
-          <a:p>
-            <a:r>
-              <a:rPr lang="en-US" dirty="0"/>
-              <a:t>XOR – X ^ Y</a:t>
-            </a:r>
-          </a:p>
-          <a:p>
-            <a:pPr lvl="1"/>
-            <a:r>
-              <a:rPr lang="en-US" dirty="0"/>
-              <a:t>True ^ False = True</a:t>
-            </a:r>
-          </a:p>
-          <a:p>
-            <a:pPr lvl="1"/>
-            <a:endParaRPr lang="en-US" dirty="0"/>
-          </a:p>
-          <a:p>
-            <a:r>
-              <a:rPr lang="en-US" dirty="0"/>
-              <a:t>Note: The only difference between &amp; and &amp;&amp; is that  &amp; will check both operands even if the first returns false. &amp;&amp; will not check the 2</a:t>
-            </a:r>
-            <a:r>
-              <a:rPr lang="en-US" baseline="30000" dirty="0"/>
-              <a:t>nd</a:t>
-            </a:r>
-            <a:r>
-              <a:rPr lang="en-US" dirty="0"/>
-              <a:t> operand if the first is false.</a:t>
-            </a:r>
-          </a:p>
-          <a:p>
-            <a:r>
-              <a:rPr lang="en-US" dirty="0"/>
-              <a:t>Stopping when you know it has failed (or passed) is called short-circuit evaluation.</a:t>
-            </a:r>
-          </a:p>
-        </p:txBody>
-      </p:sp>
-      <p:sp>
-        <p:nvSpPr>
-          <p:cNvPr id="6" name="Text Placeholder 5">
-            <a:extLst>
-              <a:ext uri="{FF2B5EF4-FFF2-40B4-BE49-F238E27FC236}">
-                <a16:creationId xmlns:a16="http://schemas.microsoft.com/office/drawing/2014/main" id="{FB13270A-DE1A-466E-AFF7-957BD684F0AB}"/>
-              </a:ext>
-            </a:extLst>
-          </p:cNvPr>
-          <p:cNvSpPr>
-            <a:spLocks noGrp="1"/>
-          </p:cNvSpPr>
-          <p:nvPr>
-            <p:ph type="body" sz="quarter" idx="3"/>
-          </p:nvPr>
-        </p:nvSpPr>
-        <p:spPr/>
-        <p:txBody>
-          <a:bodyPr/>
-          <a:lstStyle/>
-          <a:p>
-            <a:r>
-              <a:rPr lang="en-US" dirty="0"/>
-              <a:t>Bitwise</a:t>
-            </a:r>
-          </a:p>
-        </p:txBody>
-      </p:sp>
-      <p:sp>
-        <p:nvSpPr>
-          <p:cNvPr id="7" name="Content Placeholder 6">
-            <a:extLst>
-              <a:ext uri="{FF2B5EF4-FFF2-40B4-BE49-F238E27FC236}">
-                <a16:creationId xmlns:a16="http://schemas.microsoft.com/office/drawing/2014/main" id="{A4C80E64-A848-4E4E-8F69-44B3106A3449}"/>
-              </a:ext>
-            </a:extLst>
-          </p:cNvPr>
-          <p:cNvSpPr>
-            <a:spLocks noGrp="1"/>
-          </p:cNvSpPr>
-          <p:nvPr>
-            <p:ph sz="quarter" idx="4"/>
-          </p:nvPr>
-        </p:nvSpPr>
-        <p:spPr/>
-        <p:txBody>
-          <a:bodyPr>
-            <a:normAutofit fontScale="85000" lnSpcReduction="20000"/>
-          </a:bodyPr>
-          <a:lstStyle/>
-          <a:p>
-            <a:r>
-              <a:rPr lang="en-US" dirty="0"/>
-              <a:t>AND – X &amp; Y</a:t>
-            </a:r>
-          </a:p>
-          <a:p>
-            <a:pPr lvl="1"/>
-            <a:r>
-              <a:rPr lang="en-US" dirty="0"/>
-              <a:t>11010 &amp; 10010 = 10010</a:t>
-            </a:r>
-          </a:p>
-          <a:p>
-            <a:r>
-              <a:rPr lang="en-US" dirty="0"/>
-              <a:t>OR – X | Y</a:t>
-            </a:r>
-          </a:p>
-          <a:p>
-            <a:pPr lvl="1"/>
-            <a:r>
-              <a:rPr lang="en-US" dirty="0"/>
-              <a:t>11010 &amp; 10010 = 11010</a:t>
-            </a:r>
-          </a:p>
-          <a:p>
-            <a:r>
-              <a:rPr lang="en-US" dirty="0"/>
-              <a:t>XOR – X ^ Y</a:t>
-            </a:r>
-          </a:p>
-          <a:p>
-            <a:pPr lvl="1"/>
-            <a:r>
-              <a:rPr lang="en-US" dirty="0"/>
-              <a:t>11010 &amp; 10010 = 1000</a:t>
-            </a:r>
-          </a:p>
-          <a:p>
-            <a:r>
-              <a:rPr lang="en-US" dirty="0"/>
-              <a:t>Bitwise complement ~</a:t>
-            </a:r>
-          </a:p>
-          <a:p>
-            <a:pPr lvl="1"/>
-            <a:r>
-              <a:rPr lang="en-US" dirty="0"/>
-              <a:t>~(11110000) = (00001111)</a:t>
-            </a:r>
-          </a:p>
-          <a:p>
-            <a:endParaRPr lang="en-US" dirty="0"/>
+              <a:t>X &gt;&gt; Y – Shift bits right y times and fill with 0’s</a:t>
+            </a:r>
+          </a:p>
+          <a:p>
+            <a:pPr lvl="2"/>
+            <a:r>
+              <a:rPr lang="en-US" dirty="0"/>
+              <a:t>100101 &gt;&gt; 2 = 1001</a:t>
+            </a:r>
           </a:p>
         </p:txBody>
       </p:sp>
     </p:spTree>
     <p:extLst>
       <p:ext uri="{BB962C8B-B14F-4D97-AF65-F5344CB8AC3E}">
-        <p14:creationId xmlns:p14="http://schemas.microsoft.com/office/powerpoint/2010/main" val="344428803"/>
+        <p14:creationId xmlns:p14="http://schemas.microsoft.com/office/powerpoint/2010/main" val="2451443134"/>
       </p:ext>
     </p:extLst>
   </p:cSld>
@@ -8782,7 +8775,7 @@
           <p:cNvPr id="2" name="Title 1">
             <a:extLst>
               <a:ext uri="{FF2B5EF4-FFF2-40B4-BE49-F238E27FC236}">
-                <a16:creationId xmlns:a16="http://schemas.microsoft.com/office/drawing/2014/main" id="{B5EB69FF-BD85-49BE-9640-B2839F795126}"/>
+                <a16:creationId xmlns:a16="http://schemas.microsoft.com/office/drawing/2014/main" id="{302ACD4F-F2F7-4334-801A-DC0181383ED8}"/>
               </a:ext>
             </a:extLst>
           </p:cNvPr>
@@ -8800,17 +8793,17 @@
           <a:p>
             <a:r>
               <a:rPr lang="en-US" dirty="0"/>
-              <a:t>Relational Operators</a:t>
-            </a:r>
-          </a:p>
-        </p:txBody>
-      </p:sp>
-      <p:sp>
-        <p:nvSpPr>
-          <p:cNvPr id="3" name="Content Placeholder 2">
+              <a:t>Logical &amp; Bitwise Operators</a:t>
+            </a:r>
+          </a:p>
+        </p:txBody>
+      </p:sp>
+      <p:sp>
+        <p:nvSpPr>
+          <p:cNvPr id="4" name="Text Placeholder 3">
             <a:extLst>
               <a:ext uri="{FF2B5EF4-FFF2-40B4-BE49-F238E27FC236}">
-                <a16:creationId xmlns:a16="http://schemas.microsoft.com/office/drawing/2014/main" id="{FEC5E00F-FA1C-4FBD-9A0F-E03AE63709D6}"/>
+                <a16:creationId xmlns:a16="http://schemas.microsoft.com/office/drawing/2014/main" id="{470919E0-98E0-48D4-A7DE-789FC48CA639}"/>
               </a:ext>
             </a:extLst>
           </p:cNvPr>
@@ -8818,26 +8811,80 @@
             <a:spLocks noGrp="1"/>
           </p:cNvSpPr>
           <p:nvPr>
-            <p:ph idx="1"/>
+            <p:ph type="body" idx="1"/>
           </p:nvPr>
         </p:nvSpPr>
         <p:spPr/>
         <p:txBody>
+          <a:bodyPr/>
+          <a:lstStyle/>
+          <a:p>
+            <a:r>
+              <a:rPr lang="en-US" dirty="0"/>
+              <a:t>Logical</a:t>
+            </a:r>
+          </a:p>
+        </p:txBody>
+      </p:sp>
+      <p:sp>
+        <p:nvSpPr>
+          <p:cNvPr id="5" name="Content Placeholder 4">
+            <a:extLst>
+              <a:ext uri="{FF2B5EF4-FFF2-40B4-BE49-F238E27FC236}">
+                <a16:creationId xmlns:a16="http://schemas.microsoft.com/office/drawing/2014/main" id="{9F6C8711-A28C-4737-B438-DB380EDAF241}"/>
+              </a:ext>
+            </a:extLst>
+          </p:cNvPr>
+          <p:cNvSpPr>
+            <a:spLocks noGrp="1"/>
+          </p:cNvSpPr>
+          <p:nvPr>
+            <p:ph sz="half" idx="2"/>
+          </p:nvPr>
+        </p:nvSpPr>
+        <p:spPr/>
+        <p:txBody>
           <a:bodyPr>
-            <a:normAutofit/>
+            <a:normAutofit fontScale="85000" lnSpcReduction="20000"/>
           </a:bodyPr>
           <a:lstStyle/>
           <a:p>
             <a:r>
               <a:rPr lang="en-US" dirty="0"/>
-              <a:t>“is” – Type compatibility. Returns true if left operand can be cast to right operand.</a:t>
+              <a:t>AND – X &amp; Y</a:t>
             </a:r>
           </a:p>
           <a:p>
             <a:pPr lvl="1"/>
             <a:r>
               <a:rPr lang="en-US" dirty="0"/>
-              <a:t>if (object is Animal)</a:t>
+              <a:t>True &amp; False = False</a:t>
+            </a:r>
+          </a:p>
+          <a:p>
+            <a:r>
+              <a:rPr lang="en-US" dirty="0"/>
+              <a:t>OR – X | Y</a:t>
+            </a:r>
+          </a:p>
+          <a:p>
+            <a:pPr lvl="1"/>
+            <a:r>
+              <a:rPr lang="en-US" dirty="0"/>
+              <a:t>True | False = True</a:t>
+            </a:r>
+          </a:p>
+          <a:p>
+            <a:r>
+              <a:rPr lang="en-US" dirty="0"/>
+              <a:t>XOR – X ^ Y</a:t>
+            </a:r>
+          </a:p>
+          <a:p>
+            <a:pPr lvl="1"/>
+            <a:r>
+              <a:rPr lang="en-US" dirty="0"/>
+              <a:t>True ^ False = True</a:t>
             </a:r>
           </a:p>
           <a:p>
@@ -8847,29 +8894,136 @@
           <a:p>
             <a:r>
               <a:rPr lang="en-US" dirty="0"/>
-              <a:t>Type conversion</a:t>
+              <a:t>Note: The only difference between &amp; and &amp;&amp; is that  &amp; will check both operands even if the first returns false. &amp;&amp; will not check the 2</a:t>
+            </a:r>
+            <a:r>
+              <a:rPr lang="en-US" baseline="30000" dirty="0"/>
+              <a:t>nd</a:t>
+            </a:r>
+            <a:r>
+              <a:rPr lang="en-US" dirty="0"/>
+              <a:t> operand if the first is false.</a:t>
+            </a:r>
+          </a:p>
+          <a:p>
+            <a:r>
+              <a:rPr lang="en-US" dirty="0"/>
+              <a:t>Stopping when you know it has failed (or passed) is called short-circuit evaluation.</a:t>
+            </a:r>
+          </a:p>
+        </p:txBody>
+      </p:sp>
+      <p:sp>
+        <p:nvSpPr>
+          <p:cNvPr id="6" name="Text Placeholder 5">
+            <a:extLst>
+              <a:ext uri="{FF2B5EF4-FFF2-40B4-BE49-F238E27FC236}">
+                <a16:creationId xmlns:a16="http://schemas.microsoft.com/office/drawing/2014/main" id="{FB13270A-DE1A-466E-AFF7-957BD684F0AB}"/>
+              </a:ext>
+            </a:extLst>
+          </p:cNvPr>
+          <p:cNvSpPr>
+            <a:spLocks noGrp="1"/>
+          </p:cNvSpPr>
+          <p:nvPr>
+            <p:ph type="body" sz="quarter" idx="3"/>
+          </p:nvPr>
+        </p:nvSpPr>
+        <p:spPr/>
+        <p:txBody>
+          <a:bodyPr/>
+          <a:lstStyle/>
+          <a:p>
+            <a:r>
+              <a:rPr lang="en-US" dirty="0"/>
+              <a:t>Bitwise</a:t>
+            </a:r>
+          </a:p>
+        </p:txBody>
+      </p:sp>
+      <p:sp>
+        <p:nvSpPr>
+          <p:cNvPr id="7" name="Content Placeholder 6">
+            <a:extLst>
+              <a:ext uri="{FF2B5EF4-FFF2-40B4-BE49-F238E27FC236}">
+                <a16:creationId xmlns:a16="http://schemas.microsoft.com/office/drawing/2014/main" id="{A4C80E64-A848-4E4E-8F69-44B3106A3449}"/>
+              </a:ext>
+            </a:extLst>
+          </p:cNvPr>
+          <p:cNvSpPr>
+            <a:spLocks noGrp="1"/>
+          </p:cNvSpPr>
+          <p:nvPr>
+            <p:ph sz="quarter" idx="4"/>
+          </p:nvPr>
+        </p:nvSpPr>
+        <p:spPr/>
+        <p:txBody>
+          <a:bodyPr>
+            <a:normAutofit fontScale="85000" lnSpcReduction="20000"/>
+          </a:bodyPr>
+          <a:lstStyle/>
+          <a:p>
+            <a:r>
+              <a:rPr lang="en-US" dirty="0"/>
+              <a:t>AND – X &amp; Y</a:t>
             </a:r>
           </a:p>
           <a:p>
             <a:pPr lvl="1"/>
             <a:r>
               <a:rPr lang="en-US" dirty="0"/>
-              <a:t>“as” – Returns the left operand cast as the right operand. Will return null if not compatible. </a:t>
+              <a:t>11010 &amp; 10010 = 10010</a:t>
+            </a:r>
+          </a:p>
+          <a:p>
+            <a:r>
+              <a:rPr lang="en-US" dirty="0"/>
+              <a:t>OR – X | Y</a:t>
             </a:r>
           </a:p>
           <a:p>
             <a:pPr lvl="1"/>
             <a:r>
               <a:rPr lang="en-US" dirty="0"/>
-              <a:t>(Type)object – Same as “as”. Will throw exception if not compatible.</a:t>
-            </a:r>
+              <a:t>11010 &amp; 10010 = 11010</a:t>
+            </a:r>
+          </a:p>
+          <a:p>
+            <a:r>
+              <a:rPr lang="en-US" dirty="0"/>
+              <a:t>XOR – X ^ Y</a:t>
+            </a:r>
+          </a:p>
+          <a:p>
+            <a:pPr lvl="1"/>
+            <a:r>
+              <a:rPr lang="en-US" dirty="0"/>
+              <a:t>11010 &amp; 10010 = 1000</a:t>
+            </a:r>
+          </a:p>
+          <a:p>
+            <a:r>
+              <a:rPr lang="en-US" dirty="0"/>
+              <a:t>Bitwise complement ~</a:t>
+            </a:r>
+          </a:p>
+          <a:p>
+            <a:pPr lvl="1"/>
+            <a:r>
+              <a:rPr lang="en-US" dirty="0"/>
+              <a:t>~(11110000) = (00001111)</a:t>
+            </a:r>
+          </a:p>
+          <a:p>
+            <a:endParaRPr lang="en-US" dirty="0"/>
           </a:p>
         </p:txBody>
       </p:sp>
     </p:spTree>
     <p:extLst>
       <p:ext uri="{BB962C8B-B14F-4D97-AF65-F5344CB8AC3E}">
-        <p14:creationId xmlns:p14="http://schemas.microsoft.com/office/powerpoint/2010/main" val="2497402044"/>
+        <p14:creationId xmlns:p14="http://schemas.microsoft.com/office/powerpoint/2010/main" val="344428803"/>
       </p:ext>
     </p:extLst>
   </p:cSld>
@@ -8901,7 +9055,7 @@
           <p:cNvPr id="2" name="Title 1">
             <a:extLst>
               <a:ext uri="{FF2B5EF4-FFF2-40B4-BE49-F238E27FC236}">
-                <a16:creationId xmlns:a16="http://schemas.microsoft.com/office/drawing/2014/main" id="{328779BB-D2A9-4FBC-9C5F-4B8DB0446EED}"/>
+                <a16:creationId xmlns:a16="http://schemas.microsoft.com/office/drawing/2014/main" id="{B5EB69FF-BD85-49BE-9640-B2839F795126}"/>
               </a:ext>
             </a:extLst>
           </p:cNvPr>
@@ -8919,7 +9073,7 @@
           <a:p>
             <a:r>
               <a:rPr lang="en-US" dirty="0"/>
-              <a:t>So Many More Operators</a:t>
+              <a:t>Relational Operators</a:t>
             </a:r>
           </a:p>
         </p:txBody>
@@ -8929,7 +9083,7 @@
           <p:cNvPr id="3" name="Content Placeholder 2">
             <a:extLst>
               <a:ext uri="{FF2B5EF4-FFF2-40B4-BE49-F238E27FC236}">
-                <a16:creationId xmlns:a16="http://schemas.microsoft.com/office/drawing/2014/main" id="{0BE6B58D-CA0E-4EBB-987E-EDE649FB3571}"/>
+                <a16:creationId xmlns:a16="http://schemas.microsoft.com/office/drawing/2014/main" id="{FEC5E00F-FA1C-4FBD-9A0F-E03AE63709D6}"/>
               </a:ext>
             </a:extLst>
           </p:cNvPr>
@@ -8942,65 +9096,45 @@
         </p:nvSpPr>
         <p:spPr/>
         <p:txBody>
-          <a:bodyPr/>
-          <a:lstStyle/>
-          <a:p>
-            <a:r>
-              <a:rPr lang="en-US" dirty="0"/>
-              <a:t>Math</a:t>
+          <a:bodyPr>
+            <a:normAutofit/>
+          </a:bodyPr>
+          <a:lstStyle/>
+          <a:p>
+            <a:r>
+              <a:rPr lang="en-US" dirty="0"/>
+              <a:t>“is” – Type compatibility. Returns true if left operand can be cast to right operand.</a:t>
             </a:r>
           </a:p>
           <a:p>
             <a:pPr lvl="1"/>
             <a:r>
               <a:rPr lang="en-US" dirty="0"/>
-              <a:t>*, /, +, -, %</a:t>
+              <a:t>if (object is Animal)</a:t>
             </a:r>
           </a:p>
           <a:p>
             <a:pPr lvl="1"/>
-            <a:r>
-              <a:rPr lang="en-US" dirty="0"/>
-              <a:t>*=, /=, +=, -=, %=</a:t>
-            </a:r>
-          </a:p>
-          <a:p>
-            <a:r>
-              <a:rPr lang="en-US" dirty="0"/>
-              <a:t>Binary</a:t>
+            <a:endParaRPr lang="en-US" dirty="0"/>
+          </a:p>
+          <a:p>
+            <a:r>
+              <a:rPr lang="en-US" dirty="0"/>
+              <a:t>Type conversion</a:t>
             </a:r>
           </a:p>
           <a:p>
             <a:pPr lvl="1"/>
             <a:r>
               <a:rPr lang="en-US" dirty="0"/>
-              <a:t>&amp;=, |=, ^=, &lt;&lt;=, &gt;&gt;=</a:t>
-            </a:r>
-          </a:p>
-          <a:p>
-            <a:r>
-              <a:rPr lang="en-US" dirty="0"/>
-              <a:t>Comparison</a:t>
+              <a:t>“as” – Returns the left operand cast as the right operand. Will return null if not compatible. </a:t>
             </a:r>
           </a:p>
           <a:p>
             <a:pPr lvl="1"/>
             <a:r>
               <a:rPr lang="en-US" dirty="0"/>
-              <a:t>&lt;, &gt;, ==, &lt;=, &gt;=, !=</a:t>
-            </a:r>
-          </a:p>
-          <a:p>
-            <a:r>
-              <a:rPr lang="en-US" dirty="0"/>
-              <a:t>Conditional</a:t>
-            </a:r>
-          </a:p>
-          <a:p>
-            <a:pPr lvl="1"/>
-            <a:r>
-              <a:rPr lang="en-US" dirty="0"/>
-              <a:t>&amp;&amp;, ||</a:t>
+              <a:t>(Type)object – Same as “as”. Will throw exception if not compatible.</a:t>
             </a:r>
           </a:p>
         </p:txBody>
@@ -9008,7 +9142,7 @@
     </p:spTree>
     <p:extLst>
       <p:ext uri="{BB962C8B-B14F-4D97-AF65-F5344CB8AC3E}">
-        <p14:creationId xmlns:p14="http://schemas.microsoft.com/office/powerpoint/2010/main" val="2769689675"/>
+        <p14:creationId xmlns:p14="http://schemas.microsoft.com/office/powerpoint/2010/main" val="2497402044"/>
       </p:ext>
     </p:extLst>
   </p:cSld>
